--- a/DS 2/DS 1/Me esvaziar.pptx
+++ b/DS 2/DS 1/Me esvaziar.pptx
@@ -114,6 +114,11 @@
       </a:defRPr>
     </a:lvl9pPr>
   </p:defaultTextStyle>
+  <p:extLst>
+    <p:ext uri="{EFAFB233-063F-42B5-8137-9DF3F51BA10A}">
+      <p15:sldGuideLst xmlns:p15="http://schemas.microsoft.com/office/powerpoint/2012/main"/>
+    </p:ext>
+  </p:extLst>
 </p:presentation>
 </file>
 
@@ -264,7 +269,7 @@
           <a:p>
             <a:fld id="{862CAA18-F390-4638-8A10-298889397B90}" type="datetimeFigureOut">
               <a:rPr lang="pt-BR" smtClean="0"/>
-              <a:t>28/03/2023</a:t>
+              <a:t>28/10/2023</a:t>
             </a:fld>
             <a:endParaRPr lang="pt-BR"/>
           </a:p>
@@ -462,7 +467,7 @@
           <a:p>
             <a:fld id="{862CAA18-F390-4638-8A10-298889397B90}" type="datetimeFigureOut">
               <a:rPr lang="pt-BR" smtClean="0"/>
-              <a:t>28/03/2023</a:t>
+              <a:t>28/10/2023</a:t>
             </a:fld>
             <a:endParaRPr lang="pt-BR"/>
           </a:p>
@@ -670,7 +675,7 @@
           <a:p>
             <a:fld id="{862CAA18-F390-4638-8A10-298889397B90}" type="datetimeFigureOut">
               <a:rPr lang="pt-BR" smtClean="0"/>
-              <a:t>28/03/2023</a:t>
+              <a:t>28/10/2023</a:t>
             </a:fld>
             <a:endParaRPr lang="pt-BR"/>
           </a:p>
@@ -868,7 +873,7 @@
           <a:p>
             <a:fld id="{862CAA18-F390-4638-8A10-298889397B90}" type="datetimeFigureOut">
               <a:rPr lang="pt-BR" smtClean="0"/>
-              <a:t>28/03/2023</a:t>
+              <a:t>28/10/2023</a:t>
             </a:fld>
             <a:endParaRPr lang="pt-BR"/>
           </a:p>
@@ -1143,7 +1148,7 @@
           <a:p>
             <a:fld id="{862CAA18-F390-4638-8A10-298889397B90}" type="datetimeFigureOut">
               <a:rPr lang="pt-BR" smtClean="0"/>
-              <a:t>28/03/2023</a:t>
+              <a:t>28/10/2023</a:t>
             </a:fld>
             <a:endParaRPr lang="pt-BR"/>
           </a:p>
@@ -1408,7 +1413,7 @@
           <a:p>
             <a:fld id="{862CAA18-F390-4638-8A10-298889397B90}" type="datetimeFigureOut">
               <a:rPr lang="pt-BR" smtClean="0"/>
-              <a:t>28/03/2023</a:t>
+              <a:t>28/10/2023</a:t>
             </a:fld>
             <a:endParaRPr lang="pt-BR"/>
           </a:p>
@@ -1820,7 +1825,7 @@
           <a:p>
             <a:fld id="{862CAA18-F390-4638-8A10-298889397B90}" type="datetimeFigureOut">
               <a:rPr lang="pt-BR" smtClean="0"/>
-              <a:t>28/03/2023</a:t>
+              <a:t>28/10/2023</a:t>
             </a:fld>
             <a:endParaRPr lang="pt-BR"/>
           </a:p>
@@ -1961,7 +1966,7 @@
           <a:p>
             <a:fld id="{862CAA18-F390-4638-8A10-298889397B90}" type="datetimeFigureOut">
               <a:rPr lang="pt-BR" smtClean="0"/>
-              <a:t>28/03/2023</a:t>
+              <a:t>28/10/2023</a:t>
             </a:fld>
             <a:endParaRPr lang="pt-BR"/>
           </a:p>
@@ -2074,7 +2079,7 @@
           <a:p>
             <a:fld id="{862CAA18-F390-4638-8A10-298889397B90}" type="datetimeFigureOut">
               <a:rPr lang="pt-BR" smtClean="0"/>
-              <a:t>28/03/2023</a:t>
+              <a:t>28/10/2023</a:t>
             </a:fld>
             <a:endParaRPr lang="pt-BR"/>
           </a:p>
@@ -2385,7 +2390,7 @@
           <a:p>
             <a:fld id="{862CAA18-F390-4638-8A10-298889397B90}" type="datetimeFigureOut">
               <a:rPr lang="pt-BR" smtClean="0"/>
-              <a:t>28/03/2023</a:t>
+              <a:t>28/10/2023</a:t>
             </a:fld>
             <a:endParaRPr lang="pt-BR"/>
           </a:p>
@@ -2673,7 +2678,7 @@
           <a:p>
             <a:fld id="{862CAA18-F390-4638-8A10-298889397B90}" type="datetimeFigureOut">
               <a:rPr lang="pt-BR" smtClean="0"/>
-              <a:t>28/03/2023</a:t>
+              <a:t>28/10/2023</a:t>
             </a:fld>
             <a:endParaRPr lang="pt-BR"/>
           </a:p>
@@ -2914,7 +2919,7 @@
           <a:p>
             <a:fld id="{862CAA18-F390-4638-8A10-298889397B90}" type="datetimeFigureOut">
               <a:rPr lang="pt-BR" smtClean="0"/>
-              <a:t>28/03/2023</a:t>
+              <a:t>28/10/2023</a:t>
             </a:fld>
             <a:endParaRPr lang="pt-BR"/>
           </a:p>
@@ -3449,13 +3454,13 @@
         </p:nvSpPr>
         <p:spPr>
           <a:xfrm>
-            <a:off x="1066800" y="1502894"/>
-            <a:ext cx="11976847" cy="4351338"/>
+            <a:off x="44823" y="0"/>
+            <a:ext cx="12147177" cy="6069106"/>
           </a:xfrm>
         </p:spPr>
         <p:txBody>
           <a:bodyPr>
-            <a:normAutofit/>
+            <a:noAutofit/>
           </a:bodyPr>
           <a:lstStyle/>
           <a:p>
@@ -3466,81 +3471,93 @@
               <a:buNone/>
             </a:pPr>
             <a:r>
-              <a:rPr lang="pt-BR" sz="4000" b="1" i="0" dirty="0">
-                <a:solidFill>
-                  <a:srgbClr val="444444"/>
-                </a:solidFill>
-                <a:effectLst/>
-                <a:latin typeface="Arial" panose="020B0604020202020204" pitchFamily="34" charset="0"/>
+              <a:rPr lang="pt-BR" sz="5000" b="1" i="0" dirty="0">
+                <a:solidFill>
+                  <a:srgbClr val="444444"/>
+                </a:solidFill>
+                <a:effectLst/>
+                <a:latin typeface="Arial Black" panose="020B0A04020102020204" pitchFamily="34" charset="0"/>
               </a:rPr>
               <a:t>EU ME ESVAZIO, SENHOR</a:t>
             </a:r>
             <a:br>
-              <a:rPr lang="pt-BR" sz="4000" b="1" dirty="0"/>
+              <a:rPr lang="pt-BR" sz="5000" b="1" dirty="0">
+                <a:latin typeface="Arial Black" panose="020B0A04020102020204" pitchFamily="34" charset="0"/>
+              </a:rPr>
             </a:br>
             <a:r>
-              <a:rPr lang="pt-BR" sz="4000" b="1" i="0" dirty="0">
-                <a:solidFill>
-                  <a:srgbClr val="444444"/>
-                </a:solidFill>
-                <a:effectLst/>
-                <a:latin typeface="Arial" panose="020B0604020202020204" pitchFamily="34" charset="0"/>
+              <a:rPr lang="pt-BR" sz="5000" b="1" i="0" dirty="0">
+                <a:solidFill>
+                  <a:srgbClr val="444444"/>
+                </a:solidFill>
+                <a:effectLst/>
+                <a:latin typeface="Arial Black" panose="020B0A04020102020204" pitchFamily="34" charset="0"/>
               </a:rPr>
               <a:t>ME LEVA EM TEUS BRAÇOS DE AMOR</a:t>
             </a:r>
             <a:br>
-              <a:rPr lang="pt-BR" sz="4000" b="1" dirty="0"/>
+              <a:rPr lang="pt-BR" sz="5000" b="1" dirty="0">
+                <a:latin typeface="Arial Black" panose="020B0A04020102020204" pitchFamily="34" charset="0"/>
+              </a:rPr>
             </a:br>
             <a:r>
-              <a:rPr lang="pt-BR" sz="4000" b="1" i="0" dirty="0">
-                <a:solidFill>
-                  <a:srgbClr val="444444"/>
-                </a:solidFill>
-                <a:effectLst/>
-                <a:latin typeface="Arial" panose="020B0604020202020204" pitchFamily="34" charset="0"/>
+              <a:rPr lang="pt-BR" sz="5000" b="1" i="0" dirty="0">
+                <a:solidFill>
+                  <a:srgbClr val="444444"/>
+                </a:solidFill>
+                <a:effectLst/>
+                <a:latin typeface="Arial Black" panose="020B0A04020102020204" pitchFamily="34" charset="0"/>
               </a:rPr>
               <a:t>EU ME ESVAZIO, SENHOR</a:t>
             </a:r>
             <a:br>
-              <a:rPr lang="pt-BR" sz="4000" b="1" dirty="0"/>
+              <a:rPr lang="pt-BR" sz="5000" b="1" dirty="0">
+                <a:latin typeface="Arial Black" panose="020B0A04020102020204" pitchFamily="34" charset="0"/>
+              </a:rPr>
             </a:br>
             <a:r>
-              <a:rPr lang="pt-BR" sz="4000" b="1" i="0" dirty="0">
-                <a:solidFill>
-                  <a:srgbClr val="444444"/>
-                </a:solidFill>
-                <a:effectLst/>
-                <a:latin typeface="Arial" panose="020B0604020202020204" pitchFamily="34" charset="0"/>
+              <a:rPr lang="pt-BR" sz="5000" b="1" i="0" dirty="0">
+                <a:solidFill>
+                  <a:srgbClr val="444444"/>
+                </a:solidFill>
+                <a:effectLst/>
+                <a:latin typeface="Arial Black" panose="020B0A04020102020204" pitchFamily="34" charset="0"/>
               </a:rPr>
               <a:t>ME LEVA EM TEUS BRAÇOS DE AMOR</a:t>
             </a:r>
             <a:br>
-              <a:rPr lang="pt-BR" sz="4000" b="1" dirty="0"/>
+              <a:rPr lang="pt-BR" sz="5000" b="1" dirty="0">
+                <a:latin typeface="Arial Black" panose="020B0A04020102020204" pitchFamily="34" charset="0"/>
+              </a:rPr>
             </a:br>
             <a:r>
-              <a:rPr lang="pt-BR" sz="4000" b="1" i="0" dirty="0">
-                <a:solidFill>
-                  <a:srgbClr val="444444"/>
-                </a:solidFill>
-                <a:effectLst/>
-                <a:latin typeface="Arial" panose="020B0604020202020204" pitchFamily="34" charset="0"/>
+              <a:rPr lang="pt-BR" sz="5000" b="1" i="0" dirty="0">
+                <a:solidFill>
+                  <a:srgbClr val="444444"/>
+                </a:solidFill>
+                <a:effectLst/>
+                <a:latin typeface="Arial Black" panose="020B0A04020102020204" pitchFamily="34" charset="0"/>
               </a:rPr>
               <a:t>EU ME ESVAZIO, SENHOR</a:t>
             </a:r>
             <a:br>
-              <a:rPr lang="pt-BR" sz="4000" b="1" dirty="0"/>
+              <a:rPr lang="pt-BR" sz="5000" b="1" dirty="0">
+                <a:latin typeface="Arial Black" panose="020B0A04020102020204" pitchFamily="34" charset="0"/>
+              </a:rPr>
             </a:br>
             <a:r>
-              <a:rPr lang="pt-BR" sz="4000" b="1" i="0" dirty="0">
-                <a:solidFill>
-                  <a:srgbClr val="444444"/>
-                </a:solidFill>
-                <a:effectLst/>
-                <a:latin typeface="Arial" panose="020B0604020202020204" pitchFamily="34" charset="0"/>
+              <a:rPr lang="pt-BR" sz="5000" b="1" i="0" dirty="0">
+                <a:solidFill>
+                  <a:srgbClr val="444444"/>
+                </a:solidFill>
+                <a:effectLst/>
+                <a:latin typeface="Arial Black" panose="020B0A04020102020204" pitchFamily="34" charset="0"/>
               </a:rPr>
               <a:t>ME LEVA EM TEUS BRAÇOS DE AMOR</a:t>
             </a:r>
-            <a:endParaRPr lang="pt-BR" sz="4000" b="1" dirty="0"/>
+            <a:endParaRPr lang="pt-BR" sz="5000" b="1" dirty="0">
+              <a:latin typeface="Arial Black" panose="020B0A04020102020204" pitchFamily="34" charset="0"/>
+            </a:endParaRPr>
           </a:p>
         </p:txBody>
       </p:sp>
@@ -3592,13 +3609,13 @@
         </p:nvSpPr>
         <p:spPr>
           <a:xfrm>
-            <a:off x="277906" y="1916719"/>
-            <a:ext cx="11976847" cy="4351338"/>
+            <a:off x="215153" y="349624"/>
+            <a:ext cx="11976847" cy="6104964"/>
           </a:xfrm>
         </p:spPr>
         <p:txBody>
           <a:bodyPr>
-            <a:normAutofit/>
+            <a:normAutofit fontScale="92500" lnSpcReduction="10000"/>
           </a:bodyPr>
           <a:lstStyle/>
           <a:p>
@@ -3609,68 +3626,78 @@
               <a:buNone/>
             </a:pPr>
             <a:r>
-              <a:rPr lang="pt-BR" sz="4000" b="1" i="0" dirty="0">
-                <a:solidFill>
-                  <a:srgbClr val="444444"/>
-                </a:solidFill>
-                <a:effectLst/>
-                <a:latin typeface="Arial" panose="020B0604020202020204" pitchFamily="34" charset="0"/>
+              <a:rPr lang="pt-BR" sz="5400" b="1" i="0" dirty="0">
+                <a:solidFill>
+                  <a:srgbClr val="444444"/>
+                </a:solidFill>
+                <a:effectLst/>
+                <a:latin typeface="Arial Black" panose="020B0A04020102020204" pitchFamily="34" charset="0"/>
               </a:rPr>
               <a:t>OH, SENHOR, EU ME ESVAZIO DE MIM MESMO</a:t>
             </a:r>
             <a:br>
-              <a:rPr lang="pt-BR" sz="4000" b="1" dirty="0"/>
+              <a:rPr lang="pt-BR" sz="5400" b="1" dirty="0">
+                <a:latin typeface="Arial Black" panose="020B0A04020102020204" pitchFamily="34" charset="0"/>
+              </a:rPr>
             </a:br>
             <a:r>
-              <a:rPr lang="pt-BR" sz="4000" b="1" i="0" dirty="0">
-                <a:solidFill>
-                  <a:srgbClr val="444444"/>
-                </a:solidFill>
-                <a:effectLst/>
-                <a:latin typeface="Arial" panose="020B0604020202020204" pitchFamily="34" charset="0"/>
+              <a:rPr lang="pt-BR" sz="5400" b="1" i="0" dirty="0">
+                <a:solidFill>
+                  <a:srgbClr val="444444"/>
+                </a:solidFill>
+                <a:effectLst/>
+                <a:latin typeface="Arial Black" panose="020B0A04020102020204" pitchFamily="34" charset="0"/>
               </a:rPr>
               <a:t>EU ME ESVAZIO DOS MEUS TÍTULOS</a:t>
             </a:r>
             <a:br>
-              <a:rPr lang="pt-BR" sz="4000" b="1" dirty="0"/>
+              <a:rPr lang="pt-BR" sz="5400" b="1" dirty="0">
+                <a:latin typeface="Arial Black" panose="020B0A04020102020204" pitchFamily="34" charset="0"/>
+              </a:rPr>
             </a:br>
             <a:r>
-              <a:rPr lang="pt-BR" sz="4000" b="1" i="0" dirty="0">
-                <a:solidFill>
-                  <a:srgbClr val="444444"/>
-                </a:solidFill>
-                <a:effectLst/>
-                <a:latin typeface="Arial" panose="020B0604020202020204" pitchFamily="34" charset="0"/>
+              <a:rPr lang="pt-BR" sz="5400" b="1" i="0" dirty="0">
+                <a:solidFill>
+                  <a:srgbClr val="444444"/>
+                </a:solidFill>
+                <a:effectLst/>
+                <a:latin typeface="Arial Black" panose="020B0A04020102020204" pitchFamily="34" charset="0"/>
               </a:rPr>
               <a:t>EU ME ESVAZIO DA MINHA GLÓRIA, SIM, DEUS</a:t>
             </a:r>
             <a:br>
-              <a:rPr lang="pt-BR" sz="4000" b="1" dirty="0"/>
+              <a:rPr lang="pt-BR" sz="5400" b="1" dirty="0">
+                <a:latin typeface="Arial Black" panose="020B0A04020102020204" pitchFamily="34" charset="0"/>
+              </a:rPr>
             </a:br>
             <a:r>
-              <a:rPr lang="pt-BR" sz="4000" b="1" i="0" dirty="0">
-                <a:solidFill>
-                  <a:srgbClr val="444444"/>
-                </a:solidFill>
-                <a:effectLst/>
-                <a:latin typeface="Arial" panose="020B0604020202020204" pitchFamily="34" charset="0"/>
+              <a:rPr lang="pt-BR" sz="5400" b="1" i="0" dirty="0">
+                <a:solidFill>
+                  <a:srgbClr val="444444"/>
+                </a:solidFill>
+                <a:effectLst/>
+                <a:latin typeface="Arial Black" panose="020B0A04020102020204" pitchFamily="34" charset="0"/>
               </a:rPr>
               <a:t>EU ME ESVAZIO DA DOR</a:t>
             </a:r>
             <a:br>
-              <a:rPr lang="pt-BR" sz="4000" b="1" dirty="0"/>
+              <a:rPr lang="pt-BR" sz="5400" b="1" dirty="0">
+                <a:latin typeface="Arial Black" panose="020B0A04020102020204" pitchFamily="34" charset="0"/>
+              </a:rPr>
             </a:br>
             <a:r>
-              <a:rPr lang="pt-BR" sz="4000" b="1" i="0" dirty="0">
-                <a:solidFill>
-                  <a:srgbClr val="444444"/>
-                </a:solidFill>
-                <a:effectLst/>
-                <a:latin typeface="Arial" panose="020B0604020202020204" pitchFamily="34" charset="0"/>
+              <a:rPr lang="pt-BR" sz="5400" b="1" i="0" dirty="0">
+                <a:solidFill>
+                  <a:srgbClr val="444444"/>
+                </a:solidFill>
+                <a:effectLst/>
+                <a:latin typeface="Arial Black" panose="020B0A04020102020204" pitchFamily="34" charset="0"/>
               </a:rPr>
               <a:t>EU ME ESVAZIO, SENHOR</a:t>
             </a:r>
-            <a:endParaRPr lang="pt-BR" sz="4000" b="1" dirty="0"/>
+            <a:endParaRPr lang="pt-BR" sz="5400" b="1" dirty="0">
+              <a:latin typeface="Arial Black" panose="020B0A04020102020204" pitchFamily="34" charset="0"/>
+            </a:endParaRPr>
           </a:p>
         </p:txBody>
       </p:sp>
@@ -3722,85 +3749,95 @@
         </p:nvSpPr>
         <p:spPr>
           <a:xfrm>
-            <a:off x="233082" y="1389530"/>
-            <a:ext cx="11958918" cy="4760538"/>
+            <a:off x="203946" y="112059"/>
+            <a:ext cx="11784107" cy="6633882"/>
           </a:xfrm>
         </p:spPr>
         <p:txBody>
           <a:bodyPr>
-            <a:normAutofit/>
+            <a:noAutofit/>
           </a:bodyPr>
           <a:lstStyle/>
           <a:p>
             <a:pPr marL="0" indent="0">
               <a:lnSpc>
-                <a:spcPct val="100000"/>
+                <a:spcPct val="110000"/>
               </a:lnSpc>
               <a:buNone/>
             </a:pPr>
             <a:r>
-              <a:rPr lang="pt-BR" sz="4000" b="1" i="0" dirty="0">
-                <a:solidFill>
-                  <a:srgbClr val="444444"/>
-                </a:solidFill>
-                <a:effectLst/>
-                <a:latin typeface="Arial" panose="020B0604020202020204" pitchFamily="34" charset="0"/>
+              <a:rPr lang="pt-BR" sz="5000" b="1" i="0" dirty="0">
+                <a:solidFill>
+                  <a:srgbClr val="444444"/>
+                </a:solidFill>
+                <a:effectLst/>
+                <a:latin typeface="Arial Black" panose="020B0A04020102020204" pitchFamily="34" charset="0"/>
               </a:rPr>
               <a:t>EU QUERO ME ESVAZIAR DE MIM</a:t>
             </a:r>
             <a:br>
-              <a:rPr lang="pt-BR" sz="4000" b="1" dirty="0"/>
+              <a:rPr lang="pt-BR" sz="5000" b="1" dirty="0">
+                <a:latin typeface="Arial Black" panose="020B0A04020102020204" pitchFamily="34" charset="0"/>
+              </a:rPr>
             </a:br>
             <a:r>
-              <a:rPr lang="pt-BR" sz="4000" b="1" i="0" dirty="0">
-                <a:solidFill>
-                  <a:srgbClr val="444444"/>
-                </a:solidFill>
-                <a:effectLst/>
-                <a:latin typeface="Arial" panose="020B0604020202020204" pitchFamily="34" charset="0"/>
+              <a:rPr lang="pt-BR" sz="5000" b="1" i="0" dirty="0">
+                <a:solidFill>
+                  <a:srgbClr val="444444"/>
+                </a:solidFill>
+                <a:effectLst/>
+                <a:latin typeface="Arial Black" panose="020B0A04020102020204" pitchFamily="34" charset="0"/>
               </a:rPr>
               <a:t>EU QUERO ME ESVAZIAR DA RELIGIOSIDADE</a:t>
             </a:r>
             <a:br>
-              <a:rPr lang="pt-BR" sz="4000" b="1" dirty="0"/>
+              <a:rPr lang="pt-BR" sz="5000" b="1" dirty="0">
+                <a:latin typeface="Arial Black" panose="020B0A04020102020204" pitchFamily="34" charset="0"/>
+              </a:rPr>
             </a:br>
             <a:r>
-              <a:rPr lang="pt-BR" sz="4000" b="1" i="0" dirty="0">
-                <a:solidFill>
-                  <a:srgbClr val="444444"/>
-                </a:solidFill>
-                <a:effectLst/>
-                <a:latin typeface="Arial" panose="020B0604020202020204" pitchFamily="34" charset="0"/>
+              <a:rPr lang="pt-BR" sz="5000" b="1" i="0" dirty="0">
+                <a:solidFill>
+                  <a:srgbClr val="444444"/>
+                </a:solidFill>
+                <a:effectLst/>
+                <a:latin typeface="Arial Black" panose="020B0A04020102020204" pitchFamily="34" charset="0"/>
               </a:rPr>
               <a:t>EU QUERO ME ESVAZIAR DE MIM</a:t>
             </a:r>
             <a:br>
-              <a:rPr lang="pt-BR" sz="4000" b="1" dirty="0"/>
+              <a:rPr lang="pt-BR" sz="5000" b="1" dirty="0">
+                <a:latin typeface="Arial Black" panose="020B0A04020102020204" pitchFamily="34" charset="0"/>
+              </a:rPr>
             </a:br>
             <a:r>
-              <a:rPr lang="pt-BR" sz="4000" b="1" i="0" dirty="0">
-                <a:solidFill>
-                  <a:srgbClr val="444444"/>
-                </a:solidFill>
-                <a:effectLst/>
-                <a:latin typeface="Arial" panose="020B0604020202020204" pitchFamily="34" charset="0"/>
+              <a:rPr lang="pt-BR" sz="5000" b="1" i="0" dirty="0">
+                <a:solidFill>
+                  <a:srgbClr val="444444"/>
+                </a:solidFill>
+                <a:effectLst/>
+                <a:latin typeface="Arial Black" panose="020B0A04020102020204" pitchFamily="34" charset="0"/>
               </a:rPr>
               <a:t>EU QUERO ME ESVAZIAR DE TODOS OS MEU TÍTULOS</a:t>
             </a:r>
             <a:br>
-              <a:rPr lang="pt-BR" sz="4000" b="1" dirty="0"/>
+              <a:rPr lang="pt-BR" sz="5000" b="1" dirty="0">
+                <a:latin typeface="Arial Black" panose="020B0A04020102020204" pitchFamily="34" charset="0"/>
+              </a:rPr>
             </a:br>
             <a:r>
-              <a:rPr lang="pt-BR" sz="4000" b="1" i="0" dirty="0">
-                <a:solidFill>
-                  <a:srgbClr val="444444"/>
-                </a:solidFill>
-                <a:effectLst/>
-                <a:latin typeface="Arial" panose="020B0604020202020204" pitchFamily="34" charset="0"/>
+              <a:rPr lang="pt-BR" sz="5000" b="1" i="0" dirty="0">
+                <a:solidFill>
+                  <a:srgbClr val="444444"/>
+                </a:solidFill>
+                <a:effectLst/>
+                <a:latin typeface="Arial Black" panose="020B0A04020102020204" pitchFamily="34" charset="0"/>
               </a:rPr>
               <a:t>E DE TUDO O QUE ME AFASTA DE TI, JESUS</a:t>
             </a:r>
-            <a:endParaRPr lang="pt-BR" sz="4000" b="1" dirty="0"/>
+            <a:endParaRPr lang="pt-BR" sz="5000" b="1" dirty="0">
+              <a:latin typeface="Arial Black" panose="020B0A04020102020204" pitchFamily="34" charset="0"/>
+            </a:endParaRPr>
           </a:p>
         </p:txBody>
       </p:sp>
@@ -3852,8 +3889,8 @@
         </p:nvSpPr>
         <p:spPr>
           <a:xfrm>
-            <a:off x="663389" y="1493930"/>
-            <a:ext cx="12407153" cy="4046258"/>
+            <a:off x="129988" y="394447"/>
+            <a:ext cx="11932023" cy="6391836"/>
           </a:xfrm>
         </p:spPr>
         <p:txBody>
@@ -3869,68 +3906,78 @@
               <a:buNone/>
             </a:pPr>
             <a:r>
-              <a:rPr lang="pt-BR" sz="4000" b="1" i="0" dirty="0">
-                <a:solidFill>
-                  <a:srgbClr val="444444"/>
-                </a:solidFill>
-                <a:effectLst/>
-                <a:latin typeface="Arial" panose="020B0604020202020204" pitchFamily="34" charset="0"/>
+              <a:rPr lang="pt-BR" sz="5000" b="1" i="0" dirty="0">
+                <a:solidFill>
+                  <a:srgbClr val="444444"/>
+                </a:solidFill>
+                <a:effectLst/>
+                <a:latin typeface="Arial Black" panose="020B0A04020102020204" pitchFamily="34" charset="0"/>
               </a:rPr>
               <a:t>EU QUERO ME ESVAZIAR DE MIM</a:t>
             </a:r>
             <a:br>
-              <a:rPr lang="pt-BR" sz="4000" b="1" dirty="0"/>
+              <a:rPr lang="pt-BR" sz="5000" b="1" dirty="0">
+                <a:latin typeface="Arial Black" panose="020B0A04020102020204" pitchFamily="34" charset="0"/>
+              </a:rPr>
             </a:br>
             <a:r>
-              <a:rPr lang="pt-BR" sz="4000" b="1" i="0" dirty="0">
-                <a:solidFill>
-                  <a:srgbClr val="444444"/>
-                </a:solidFill>
-                <a:effectLst/>
-                <a:latin typeface="Arial" panose="020B0604020202020204" pitchFamily="34" charset="0"/>
+              <a:rPr lang="pt-BR" sz="5000" b="1" i="0" dirty="0">
+                <a:solidFill>
+                  <a:srgbClr val="444444"/>
+                </a:solidFill>
+                <a:effectLst/>
+                <a:latin typeface="Arial Black" panose="020B0A04020102020204" pitchFamily="34" charset="0"/>
               </a:rPr>
               <a:t>EU QUERO ME ESVAZIAR DAS DORES E DESILUSÕES</a:t>
             </a:r>
             <a:br>
-              <a:rPr lang="pt-BR" sz="4000" b="1" dirty="0"/>
+              <a:rPr lang="pt-BR" sz="5000" b="1" dirty="0">
+                <a:latin typeface="Arial Black" panose="020B0A04020102020204" pitchFamily="34" charset="0"/>
+              </a:rPr>
             </a:br>
             <a:r>
-              <a:rPr lang="pt-BR" sz="4000" b="1" i="0" dirty="0">
-                <a:solidFill>
-                  <a:srgbClr val="444444"/>
-                </a:solidFill>
-                <a:effectLst/>
-                <a:latin typeface="Arial" panose="020B0604020202020204" pitchFamily="34" charset="0"/>
+              <a:rPr lang="pt-BR" sz="5000" b="1" i="0" dirty="0">
+                <a:solidFill>
+                  <a:srgbClr val="444444"/>
+                </a:solidFill>
+                <a:effectLst/>
+                <a:latin typeface="Arial Black" panose="020B0A04020102020204" pitchFamily="34" charset="0"/>
               </a:rPr>
               <a:t>EU QUERO ME ESVAZIAR DE MIM</a:t>
             </a:r>
             <a:br>
-              <a:rPr lang="pt-BR" sz="4000" b="1" dirty="0"/>
+              <a:rPr lang="pt-BR" sz="5000" b="1" dirty="0">
+                <a:latin typeface="Arial Black" panose="020B0A04020102020204" pitchFamily="34" charset="0"/>
+              </a:rPr>
             </a:br>
             <a:r>
-              <a:rPr lang="pt-BR" sz="4000" b="1" i="0" dirty="0">
-                <a:solidFill>
-                  <a:srgbClr val="444444"/>
-                </a:solidFill>
-                <a:effectLst/>
-                <a:latin typeface="Arial" panose="020B0604020202020204" pitchFamily="34" charset="0"/>
+              <a:rPr lang="pt-BR" sz="5000" b="1" i="0" dirty="0">
+                <a:solidFill>
+                  <a:srgbClr val="444444"/>
+                </a:solidFill>
+                <a:effectLst/>
+                <a:latin typeface="Arial Black" panose="020B0A04020102020204" pitchFamily="34" charset="0"/>
               </a:rPr>
               <a:t>EU QUERO ME ESVAZIAR DA PRISÃO DO PASSADO</a:t>
             </a:r>
             <a:br>
-              <a:rPr lang="pt-BR" sz="4000" b="1" dirty="0"/>
+              <a:rPr lang="pt-BR" sz="5000" b="1" dirty="0">
+                <a:latin typeface="Arial Black" panose="020B0A04020102020204" pitchFamily="34" charset="0"/>
+              </a:rPr>
             </a:br>
             <a:r>
-              <a:rPr lang="pt-BR" sz="4000" b="1" i="0" dirty="0">
-                <a:solidFill>
-                  <a:srgbClr val="444444"/>
-                </a:solidFill>
-                <a:effectLst/>
-                <a:latin typeface="Arial" panose="020B0604020202020204" pitchFamily="34" charset="0"/>
+              <a:rPr lang="pt-BR" sz="5000" b="1" i="0" dirty="0">
+                <a:solidFill>
+                  <a:srgbClr val="444444"/>
+                </a:solidFill>
+                <a:effectLst/>
+                <a:latin typeface="Arial Black" panose="020B0A04020102020204" pitchFamily="34" charset="0"/>
               </a:rPr>
               <a:t>E DE TUDO O QUE ME AFASTA DE TI, JESUS</a:t>
             </a:r>
-            <a:endParaRPr lang="pt-BR" sz="4000" b="1" dirty="0"/>
+            <a:endParaRPr lang="pt-BR" sz="5000" b="1" dirty="0">
+              <a:latin typeface="Arial Black" panose="020B0A04020102020204" pitchFamily="34" charset="0"/>
+            </a:endParaRPr>
           </a:p>
         </p:txBody>
       </p:sp>
@@ -3982,8 +4029,8 @@
         </p:nvSpPr>
         <p:spPr>
           <a:xfrm>
-            <a:off x="1111623" y="1484965"/>
-            <a:ext cx="11698941" cy="4351338"/>
+            <a:off x="179294" y="869576"/>
+            <a:ext cx="11833412" cy="6400800"/>
           </a:xfrm>
         </p:spPr>
         <p:txBody>
@@ -3999,68 +4046,78 @@
               <a:buNone/>
             </a:pPr>
             <a:r>
-              <a:rPr lang="pt-BR" sz="4000" b="1" i="0" dirty="0">
-                <a:solidFill>
-                  <a:srgbClr val="444444"/>
-                </a:solidFill>
-                <a:effectLst/>
-                <a:latin typeface="Arial" panose="020B0604020202020204" pitchFamily="34" charset="0"/>
+              <a:rPr lang="pt-BR" sz="5400" b="1" i="0" dirty="0">
+                <a:solidFill>
+                  <a:srgbClr val="444444"/>
+                </a:solidFill>
+                <a:effectLst/>
+                <a:latin typeface="Arial Black" panose="020B0A04020102020204" pitchFamily="34" charset="0"/>
               </a:rPr>
               <a:t>AONDE EU IREI, SENHOR?</a:t>
             </a:r>
             <a:br>
-              <a:rPr lang="pt-BR" sz="4000" b="1" dirty="0"/>
+              <a:rPr lang="pt-BR" sz="5400" b="1" dirty="0">
+                <a:latin typeface="Arial Black" panose="020B0A04020102020204" pitchFamily="34" charset="0"/>
+              </a:rPr>
             </a:br>
             <a:r>
-              <a:rPr lang="pt-BR" sz="4000" b="1" i="0" dirty="0">
-                <a:solidFill>
-                  <a:srgbClr val="444444"/>
-                </a:solidFill>
-                <a:effectLst/>
-                <a:latin typeface="Arial" panose="020B0604020202020204" pitchFamily="34" charset="0"/>
+              <a:rPr lang="pt-BR" sz="5400" b="1" i="0" dirty="0">
+                <a:solidFill>
+                  <a:srgbClr val="444444"/>
+                </a:solidFill>
+                <a:effectLst/>
+                <a:latin typeface="Arial Black" panose="020B0A04020102020204" pitchFamily="34" charset="0"/>
               </a:rPr>
               <a:t>POIS SÓ TU TENS AS PALAVRAS DE VIDA ETERNA</a:t>
             </a:r>
             <a:br>
-              <a:rPr lang="pt-BR" sz="4000" b="1" dirty="0"/>
+              <a:rPr lang="pt-BR" sz="5400" b="1" dirty="0">
+                <a:latin typeface="Arial Black" panose="020B0A04020102020204" pitchFamily="34" charset="0"/>
+              </a:rPr>
             </a:br>
             <a:r>
-              <a:rPr lang="pt-BR" sz="4000" b="1" i="0" dirty="0">
-                <a:solidFill>
-                  <a:srgbClr val="444444"/>
-                </a:solidFill>
-                <a:effectLst/>
-                <a:latin typeface="Arial" panose="020B0604020202020204" pitchFamily="34" charset="0"/>
+              <a:rPr lang="pt-BR" sz="5400" b="1" i="0" dirty="0">
+                <a:solidFill>
+                  <a:srgbClr val="444444"/>
+                </a:solidFill>
+                <a:effectLst/>
+                <a:latin typeface="Arial Black" panose="020B0A04020102020204" pitchFamily="34" charset="0"/>
               </a:rPr>
               <a:t>ONDE ME ESCONDEREI?</a:t>
             </a:r>
             <a:br>
-              <a:rPr lang="pt-BR" sz="4000" b="1" dirty="0"/>
+              <a:rPr lang="pt-BR" sz="5400" b="1" dirty="0">
+                <a:latin typeface="Arial Black" panose="020B0A04020102020204" pitchFamily="34" charset="0"/>
+              </a:rPr>
             </a:br>
             <a:r>
-              <a:rPr lang="pt-BR" sz="4000" b="1" i="0" dirty="0">
-                <a:solidFill>
-                  <a:srgbClr val="444444"/>
-                </a:solidFill>
-                <a:effectLst/>
-                <a:latin typeface="Arial" panose="020B0604020202020204" pitchFamily="34" charset="0"/>
+              <a:rPr lang="pt-BR" sz="5400" b="1" i="0" dirty="0">
+                <a:solidFill>
+                  <a:srgbClr val="444444"/>
+                </a:solidFill>
+                <a:effectLst/>
+                <a:latin typeface="Arial Black" panose="020B0A04020102020204" pitchFamily="34" charset="0"/>
               </a:rPr>
               <a:t>TU ÉS O AR QUE EU RESPIRO</a:t>
             </a:r>
             <a:br>
-              <a:rPr lang="pt-BR" sz="4000" b="1" dirty="0"/>
+              <a:rPr lang="pt-BR" sz="5400" b="1" dirty="0">
+                <a:latin typeface="Arial Black" panose="020B0A04020102020204" pitchFamily="34" charset="0"/>
+              </a:rPr>
             </a:br>
             <a:r>
-              <a:rPr lang="pt-BR" sz="4000" b="1" i="0" dirty="0">
-                <a:solidFill>
-                  <a:srgbClr val="444444"/>
-                </a:solidFill>
-                <a:effectLst/>
-                <a:latin typeface="Arial" panose="020B0604020202020204" pitchFamily="34" charset="0"/>
+              <a:rPr lang="pt-BR" sz="5400" b="1" i="0" dirty="0">
+                <a:solidFill>
+                  <a:srgbClr val="444444"/>
+                </a:solidFill>
+                <a:effectLst/>
+                <a:latin typeface="Arial Black" panose="020B0A04020102020204" pitchFamily="34" charset="0"/>
               </a:rPr>
               <a:t>TUA PRESENÇA ME ATRAI</a:t>
             </a:r>
-            <a:endParaRPr lang="pt-BR" sz="4000" b="1" dirty="0"/>
+            <a:endParaRPr lang="pt-BR" sz="5400" b="1" dirty="0">
+              <a:latin typeface="Arial Black" panose="020B0A04020102020204" pitchFamily="34" charset="0"/>
+            </a:endParaRPr>
           </a:p>
         </p:txBody>
       </p:sp>
@@ -4112,13 +4169,13 @@
         </p:nvSpPr>
         <p:spPr>
           <a:xfrm>
-            <a:off x="1066800" y="1502894"/>
-            <a:ext cx="11976847" cy="4351338"/>
+            <a:off x="268940" y="170329"/>
+            <a:ext cx="12102353" cy="6203576"/>
           </a:xfrm>
         </p:spPr>
         <p:txBody>
           <a:bodyPr>
-            <a:normAutofit/>
+            <a:noAutofit/>
           </a:bodyPr>
           <a:lstStyle/>
           <a:p>
@@ -4129,81 +4186,93 @@
               <a:buNone/>
             </a:pPr>
             <a:r>
-              <a:rPr lang="pt-BR" sz="4000" b="1" i="0" dirty="0">
-                <a:solidFill>
-                  <a:srgbClr val="444444"/>
-                </a:solidFill>
-                <a:effectLst/>
-                <a:latin typeface="Arial" panose="020B0604020202020204" pitchFamily="34" charset="0"/>
+              <a:rPr lang="pt-BR" sz="4800" b="1" i="0" dirty="0">
+                <a:solidFill>
+                  <a:srgbClr val="444444"/>
+                </a:solidFill>
+                <a:effectLst/>
+                <a:latin typeface="Arial Black" panose="020B0A04020102020204" pitchFamily="34" charset="0"/>
               </a:rPr>
               <a:t>ENTÃO, INUNDA-ME COM TEU AMOR</a:t>
             </a:r>
             <a:br>
-              <a:rPr lang="pt-BR" sz="4000" b="1" dirty="0"/>
+              <a:rPr lang="pt-BR" sz="4800" b="1" dirty="0">
+                <a:latin typeface="Arial Black" panose="020B0A04020102020204" pitchFamily="34" charset="0"/>
+              </a:rPr>
             </a:br>
             <a:r>
-              <a:rPr lang="pt-BR" sz="4000" b="1" i="0" dirty="0">
-                <a:solidFill>
-                  <a:srgbClr val="444444"/>
-                </a:solidFill>
-                <a:effectLst/>
-                <a:latin typeface="Arial" panose="020B0604020202020204" pitchFamily="34" charset="0"/>
+              <a:rPr lang="pt-BR" sz="4800" b="1" i="0" dirty="0">
+                <a:solidFill>
+                  <a:srgbClr val="444444"/>
+                </a:solidFill>
+                <a:effectLst/>
+                <a:latin typeface="Arial Black" panose="020B0A04020102020204" pitchFamily="34" charset="0"/>
               </a:rPr>
               <a:t>TRANSFORMA-ME COM TEU AMOR</a:t>
             </a:r>
             <a:br>
-              <a:rPr lang="pt-BR" sz="4000" b="1" dirty="0"/>
+              <a:rPr lang="pt-BR" sz="4800" b="1" dirty="0">
+                <a:latin typeface="Arial Black" panose="020B0A04020102020204" pitchFamily="34" charset="0"/>
+              </a:rPr>
             </a:br>
             <a:r>
-              <a:rPr lang="pt-BR" sz="4000" b="1" i="0" dirty="0">
-                <a:solidFill>
-                  <a:srgbClr val="444444"/>
-                </a:solidFill>
-                <a:effectLst/>
-                <a:latin typeface="Arial" panose="020B0604020202020204" pitchFamily="34" charset="0"/>
+              <a:rPr lang="pt-BR" sz="4800" b="1" i="0" dirty="0">
+                <a:solidFill>
+                  <a:srgbClr val="444444"/>
+                </a:solidFill>
+                <a:effectLst/>
+                <a:latin typeface="Arial Black" panose="020B0A04020102020204" pitchFamily="34" charset="0"/>
               </a:rPr>
               <a:t>ATRAI MEU CORAÇÃO A TI, SENHOR</a:t>
             </a:r>
             <a:br>
-              <a:rPr lang="pt-BR" sz="4000" b="1" dirty="0"/>
+              <a:rPr lang="pt-BR" sz="4800" b="1" dirty="0">
+                <a:latin typeface="Arial Black" panose="020B0A04020102020204" pitchFamily="34" charset="0"/>
+              </a:rPr>
             </a:br>
             <a:r>
-              <a:rPr lang="pt-BR" sz="4000" b="1" i="0" dirty="0">
-                <a:solidFill>
-                  <a:srgbClr val="444444"/>
-                </a:solidFill>
-                <a:effectLst/>
-                <a:latin typeface="Arial" panose="020B0604020202020204" pitchFamily="34" charset="0"/>
+              <a:rPr lang="pt-BR" sz="4800" b="1" i="0" dirty="0">
+                <a:solidFill>
+                  <a:srgbClr val="444444"/>
+                </a:solidFill>
+                <a:effectLst/>
+                <a:latin typeface="Arial Black" panose="020B0A04020102020204" pitchFamily="34" charset="0"/>
               </a:rPr>
               <a:t>MOVE-ME COM TEU AMOR</a:t>
             </a:r>
             <a:br>
-              <a:rPr lang="pt-BR" sz="4000" b="1" dirty="0"/>
+              <a:rPr lang="pt-BR" sz="4800" b="1" dirty="0">
+                <a:latin typeface="Arial Black" panose="020B0A04020102020204" pitchFamily="34" charset="0"/>
+              </a:rPr>
             </a:br>
             <a:r>
-              <a:rPr lang="pt-BR" sz="4000" b="1" i="0" dirty="0">
-                <a:solidFill>
-                  <a:srgbClr val="444444"/>
-                </a:solidFill>
-                <a:effectLst/>
-                <a:latin typeface="Arial" panose="020B0604020202020204" pitchFamily="34" charset="0"/>
+              <a:rPr lang="pt-BR" sz="4800" b="1" i="0" dirty="0">
+                <a:solidFill>
+                  <a:srgbClr val="444444"/>
+                </a:solidFill>
+                <a:effectLst/>
+                <a:latin typeface="Arial Black" panose="020B0A04020102020204" pitchFamily="34" charset="0"/>
               </a:rPr>
               <a:t>E USA-ME PRA O TEU LOUVOR</a:t>
             </a:r>
             <a:br>
-              <a:rPr lang="pt-BR" sz="4000" b="1" dirty="0"/>
+              <a:rPr lang="pt-BR" sz="4800" b="1" dirty="0">
+                <a:latin typeface="Arial Black" panose="020B0A04020102020204" pitchFamily="34" charset="0"/>
+              </a:rPr>
             </a:br>
             <a:r>
-              <a:rPr lang="pt-BR" sz="4000" b="1" i="0" dirty="0">
-                <a:solidFill>
-                  <a:srgbClr val="444444"/>
-                </a:solidFill>
-                <a:effectLst/>
-                <a:latin typeface="Arial" panose="020B0604020202020204" pitchFamily="34" charset="0"/>
+              <a:rPr lang="pt-BR" sz="4800" b="1" i="0" dirty="0">
+                <a:solidFill>
+                  <a:srgbClr val="444444"/>
+                </a:solidFill>
+                <a:effectLst/>
+                <a:latin typeface="Arial Black" panose="020B0A04020102020204" pitchFamily="34" charset="0"/>
               </a:rPr>
               <a:t>ENSINA-ME A OUVIR O TEU CORAÇÃO</a:t>
             </a:r>
-            <a:endParaRPr lang="pt-BR" sz="4000" b="1" dirty="0"/>
+            <a:endParaRPr lang="pt-BR" sz="4800" b="1" dirty="0">
+              <a:latin typeface="Arial Black" panose="020B0A04020102020204" pitchFamily="34" charset="0"/>
+            </a:endParaRPr>
           </a:p>
         </p:txBody>
       </p:sp>
@@ -4255,8 +4324,8 @@
         </p:nvSpPr>
         <p:spPr>
           <a:xfrm>
-            <a:off x="233082" y="1389530"/>
-            <a:ext cx="11958918" cy="4760538"/>
+            <a:off x="116541" y="206188"/>
+            <a:ext cx="11958918" cy="6445623"/>
           </a:xfrm>
         </p:spPr>
         <p:txBody>
@@ -4272,68 +4341,78 @@
               <a:buNone/>
             </a:pPr>
             <a:r>
-              <a:rPr lang="pt-BR" sz="4000" b="1" i="0" dirty="0">
-                <a:solidFill>
-                  <a:srgbClr val="444444"/>
-                </a:solidFill>
-                <a:effectLst/>
-                <a:latin typeface="Arial" panose="020B0604020202020204" pitchFamily="34" charset="0"/>
+              <a:rPr lang="pt-BR" sz="5000" b="1" i="0" dirty="0">
+                <a:solidFill>
+                  <a:srgbClr val="444444"/>
+                </a:solidFill>
+                <a:effectLst/>
+                <a:latin typeface="Arial Black" panose="020B0A04020102020204" pitchFamily="34" charset="0"/>
               </a:rPr>
               <a:t>EU QUERO ME ESVAZIAR DE MIM</a:t>
             </a:r>
             <a:br>
-              <a:rPr lang="pt-BR" sz="4000" b="1" dirty="0"/>
+              <a:rPr lang="pt-BR" sz="5000" b="1" dirty="0">
+                <a:latin typeface="Arial Black" panose="020B0A04020102020204" pitchFamily="34" charset="0"/>
+              </a:rPr>
             </a:br>
             <a:r>
-              <a:rPr lang="pt-BR" sz="4000" b="1" i="0" dirty="0">
-                <a:solidFill>
-                  <a:srgbClr val="444444"/>
-                </a:solidFill>
-                <a:effectLst/>
-                <a:latin typeface="Arial" panose="020B0604020202020204" pitchFamily="34" charset="0"/>
+              <a:rPr lang="pt-BR" sz="5000" b="1" i="0" dirty="0">
+                <a:solidFill>
+                  <a:srgbClr val="444444"/>
+                </a:solidFill>
+                <a:effectLst/>
+                <a:latin typeface="Arial Black" panose="020B0A04020102020204" pitchFamily="34" charset="0"/>
               </a:rPr>
               <a:t>EU QUERO ME ESVAZIAR DA RELIGIOSIDADE</a:t>
             </a:r>
             <a:br>
-              <a:rPr lang="pt-BR" sz="4000" b="1" dirty="0"/>
+              <a:rPr lang="pt-BR" sz="5000" b="1" dirty="0">
+                <a:latin typeface="Arial Black" panose="020B0A04020102020204" pitchFamily="34" charset="0"/>
+              </a:rPr>
             </a:br>
             <a:r>
-              <a:rPr lang="pt-BR" sz="4000" b="1" i="0" dirty="0">
-                <a:solidFill>
-                  <a:srgbClr val="444444"/>
-                </a:solidFill>
-                <a:effectLst/>
-                <a:latin typeface="Arial" panose="020B0604020202020204" pitchFamily="34" charset="0"/>
+              <a:rPr lang="pt-BR" sz="5000" b="1" i="0" dirty="0">
+                <a:solidFill>
+                  <a:srgbClr val="444444"/>
+                </a:solidFill>
+                <a:effectLst/>
+                <a:latin typeface="Arial Black" panose="020B0A04020102020204" pitchFamily="34" charset="0"/>
               </a:rPr>
               <a:t>EU QUERO ME ESVAZIAR DE MIM</a:t>
             </a:r>
             <a:br>
-              <a:rPr lang="pt-BR" sz="4000" b="1" dirty="0"/>
+              <a:rPr lang="pt-BR" sz="5000" b="1" dirty="0">
+                <a:latin typeface="Arial Black" panose="020B0A04020102020204" pitchFamily="34" charset="0"/>
+              </a:rPr>
             </a:br>
             <a:r>
-              <a:rPr lang="pt-BR" sz="4000" b="1" i="0" dirty="0">
-                <a:solidFill>
-                  <a:srgbClr val="444444"/>
-                </a:solidFill>
-                <a:effectLst/>
-                <a:latin typeface="Arial" panose="020B0604020202020204" pitchFamily="34" charset="0"/>
+              <a:rPr lang="pt-BR" sz="5000" b="1" i="0" dirty="0">
+                <a:solidFill>
+                  <a:srgbClr val="444444"/>
+                </a:solidFill>
+                <a:effectLst/>
+                <a:latin typeface="Arial Black" panose="020B0A04020102020204" pitchFamily="34" charset="0"/>
               </a:rPr>
               <a:t>EU QUERO ME ESVAZIAR DE TODOS OS MEU TÍTULOS</a:t>
             </a:r>
             <a:br>
-              <a:rPr lang="pt-BR" sz="4000" b="1" dirty="0"/>
+              <a:rPr lang="pt-BR" sz="5000" b="1" dirty="0">
+                <a:latin typeface="Arial Black" panose="020B0A04020102020204" pitchFamily="34" charset="0"/>
+              </a:rPr>
             </a:br>
             <a:r>
-              <a:rPr lang="pt-BR" sz="4000" b="1" i="0" dirty="0">
-                <a:solidFill>
-                  <a:srgbClr val="444444"/>
-                </a:solidFill>
-                <a:effectLst/>
-                <a:latin typeface="Arial" panose="020B0604020202020204" pitchFamily="34" charset="0"/>
+              <a:rPr lang="pt-BR" sz="5000" b="1" i="0" dirty="0">
+                <a:solidFill>
+                  <a:srgbClr val="444444"/>
+                </a:solidFill>
+                <a:effectLst/>
+                <a:latin typeface="Arial Black" panose="020B0A04020102020204" pitchFamily="34" charset="0"/>
               </a:rPr>
               <a:t>E DE TUDO O QUE ME AFASTA DE TI, JESUS</a:t>
             </a:r>
-            <a:endParaRPr lang="pt-BR" sz="4000" b="1" dirty="0"/>
+            <a:endParaRPr lang="pt-BR" sz="5000" b="1" dirty="0">
+              <a:latin typeface="Arial Black" panose="020B0A04020102020204" pitchFamily="34" charset="0"/>
+            </a:endParaRPr>
           </a:p>
         </p:txBody>
       </p:sp>
@@ -4385,8 +4464,8 @@
         </p:nvSpPr>
         <p:spPr>
           <a:xfrm>
-            <a:off x="663389" y="1493930"/>
-            <a:ext cx="12407153" cy="4046258"/>
+            <a:off x="219635" y="555812"/>
+            <a:ext cx="11752729" cy="6069106"/>
           </a:xfrm>
         </p:spPr>
         <p:txBody>
@@ -4402,68 +4481,78 @@
               <a:buNone/>
             </a:pPr>
             <a:r>
-              <a:rPr lang="pt-BR" sz="4000" b="1" i="0" dirty="0">
-                <a:solidFill>
-                  <a:srgbClr val="444444"/>
-                </a:solidFill>
-                <a:effectLst/>
-                <a:latin typeface="Arial" panose="020B0604020202020204" pitchFamily="34" charset="0"/>
+              <a:rPr lang="pt-BR" sz="4800" b="1" i="0" dirty="0">
+                <a:solidFill>
+                  <a:srgbClr val="444444"/>
+                </a:solidFill>
+                <a:effectLst/>
+                <a:latin typeface="Arial Black" panose="020B0A04020102020204" pitchFamily="34" charset="0"/>
               </a:rPr>
               <a:t>EU QUERO ME ESVAZIAR DE MIM</a:t>
             </a:r>
             <a:br>
-              <a:rPr lang="pt-BR" sz="4000" b="1" dirty="0"/>
+              <a:rPr lang="pt-BR" sz="4800" b="1" dirty="0">
+                <a:latin typeface="Arial Black" panose="020B0A04020102020204" pitchFamily="34" charset="0"/>
+              </a:rPr>
             </a:br>
             <a:r>
-              <a:rPr lang="pt-BR" sz="4000" b="1" i="0" dirty="0">
-                <a:solidFill>
-                  <a:srgbClr val="444444"/>
-                </a:solidFill>
-                <a:effectLst/>
-                <a:latin typeface="Arial" panose="020B0604020202020204" pitchFamily="34" charset="0"/>
+              <a:rPr lang="pt-BR" sz="4800" b="1" i="0" dirty="0">
+                <a:solidFill>
+                  <a:srgbClr val="444444"/>
+                </a:solidFill>
+                <a:effectLst/>
+                <a:latin typeface="Arial Black" panose="020B0A04020102020204" pitchFamily="34" charset="0"/>
               </a:rPr>
               <a:t>EU QUERO ME ESVAZIAR DAS DORES E DESILUSÕES</a:t>
             </a:r>
             <a:br>
-              <a:rPr lang="pt-BR" sz="4000" b="1" dirty="0"/>
+              <a:rPr lang="pt-BR" sz="4800" b="1" dirty="0">
+                <a:latin typeface="Arial Black" panose="020B0A04020102020204" pitchFamily="34" charset="0"/>
+              </a:rPr>
             </a:br>
             <a:r>
-              <a:rPr lang="pt-BR" sz="4000" b="1" i="0" dirty="0">
-                <a:solidFill>
-                  <a:srgbClr val="444444"/>
-                </a:solidFill>
-                <a:effectLst/>
-                <a:latin typeface="Arial" panose="020B0604020202020204" pitchFamily="34" charset="0"/>
+              <a:rPr lang="pt-BR" sz="4800" b="1" i="0" dirty="0">
+                <a:solidFill>
+                  <a:srgbClr val="444444"/>
+                </a:solidFill>
+                <a:effectLst/>
+                <a:latin typeface="Arial Black" panose="020B0A04020102020204" pitchFamily="34" charset="0"/>
               </a:rPr>
               <a:t>EU QUERO ME ESVAZIAR DE MIM</a:t>
             </a:r>
             <a:br>
-              <a:rPr lang="pt-BR" sz="4000" b="1" dirty="0"/>
+              <a:rPr lang="pt-BR" sz="4800" b="1" dirty="0">
+                <a:latin typeface="Arial Black" panose="020B0A04020102020204" pitchFamily="34" charset="0"/>
+              </a:rPr>
             </a:br>
             <a:r>
-              <a:rPr lang="pt-BR" sz="4000" b="1" i="0" dirty="0">
-                <a:solidFill>
-                  <a:srgbClr val="444444"/>
-                </a:solidFill>
-                <a:effectLst/>
-                <a:latin typeface="Arial" panose="020B0604020202020204" pitchFamily="34" charset="0"/>
+              <a:rPr lang="pt-BR" sz="4800" b="1" i="0" dirty="0">
+                <a:solidFill>
+                  <a:srgbClr val="444444"/>
+                </a:solidFill>
+                <a:effectLst/>
+                <a:latin typeface="Arial Black" panose="020B0A04020102020204" pitchFamily="34" charset="0"/>
               </a:rPr>
               <a:t>EU QUERO ME ESVAZIAR DA PRISÃO DO PASSADO</a:t>
             </a:r>
             <a:br>
-              <a:rPr lang="pt-BR" sz="4000" b="1" dirty="0"/>
+              <a:rPr lang="pt-BR" sz="4800" b="1" dirty="0">
+                <a:latin typeface="Arial Black" panose="020B0A04020102020204" pitchFamily="34" charset="0"/>
+              </a:rPr>
             </a:br>
             <a:r>
-              <a:rPr lang="pt-BR" sz="4000" b="1" i="0" dirty="0">
-                <a:solidFill>
-                  <a:srgbClr val="444444"/>
-                </a:solidFill>
-                <a:effectLst/>
-                <a:latin typeface="Arial" panose="020B0604020202020204" pitchFamily="34" charset="0"/>
+              <a:rPr lang="pt-BR" sz="4800" b="1" i="0" dirty="0">
+                <a:solidFill>
+                  <a:srgbClr val="444444"/>
+                </a:solidFill>
+                <a:effectLst/>
+                <a:latin typeface="Arial Black" panose="020B0A04020102020204" pitchFamily="34" charset="0"/>
               </a:rPr>
               <a:t>E DE TUDO O QUE ME AFASTA DE TI, JESUS</a:t>
             </a:r>
-            <a:endParaRPr lang="pt-BR" sz="4000" b="1" dirty="0"/>
+            <a:endParaRPr lang="pt-BR" sz="4800" b="1" dirty="0">
+              <a:latin typeface="Arial Black" panose="020B0A04020102020204" pitchFamily="34" charset="0"/>
+            </a:endParaRPr>
           </a:p>
         </p:txBody>
       </p:sp>
@@ -4515,13 +4604,13 @@
         </p:nvSpPr>
         <p:spPr>
           <a:xfrm>
-            <a:off x="1111623" y="1484965"/>
-            <a:ext cx="11698941" cy="4351338"/>
+            <a:off x="134471" y="582705"/>
+            <a:ext cx="12057529" cy="6212541"/>
           </a:xfrm>
         </p:spPr>
         <p:txBody>
           <a:bodyPr>
-            <a:normAutofit/>
+            <a:normAutofit lnSpcReduction="10000"/>
           </a:bodyPr>
           <a:lstStyle/>
           <a:p>
@@ -4532,68 +4621,78 @@
               <a:buNone/>
             </a:pPr>
             <a:r>
-              <a:rPr lang="pt-BR" sz="4000" b="1" i="0" dirty="0">
-                <a:solidFill>
-                  <a:srgbClr val="444444"/>
-                </a:solidFill>
-                <a:effectLst/>
-                <a:latin typeface="Arial" panose="020B0604020202020204" pitchFamily="34" charset="0"/>
+              <a:rPr lang="pt-BR" sz="6000" b="1" i="0" dirty="0">
+                <a:solidFill>
+                  <a:srgbClr val="444444"/>
+                </a:solidFill>
+                <a:effectLst/>
+                <a:latin typeface="Arial Black" panose="020B0A04020102020204" pitchFamily="34" charset="0"/>
               </a:rPr>
               <a:t>AONDE EU IREI, SENHOR?</a:t>
             </a:r>
             <a:br>
-              <a:rPr lang="pt-BR" sz="4000" b="1" dirty="0"/>
+              <a:rPr lang="pt-BR" sz="6000" b="1" dirty="0">
+                <a:latin typeface="Arial Black" panose="020B0A04020102020204" pitchFamily="34" charset="0"/>
+              </a:rPr>
             </a:br>
             <a:r>
-              <a:rPr lang="pt-BR" sz="4000" b="1" i="0" dirty="0">
-                <a:solidFill>
-                  <a:srgbClr val="444444"/>
-                </a:solidFill>
-                <a:effectLst/>
-                <a:latin typeface="Arial" panose="020B0604020202020204" pitchFamily="34" charset="0"/>
+              <a:rPr lang="pt-BR" sz="6000" b="1" i="0" dirty="0">
+                <a:solidFill>
+                  <a:srgbClr val="444444"/>
+                </a:solidFill>
+                <a:effectLst/>
+                <a:latin typeface="Arial Black" panose="020B0A04020102020204" pitchFamily="34" charset="0"/>
               </a:rPr>
               <a:t>POIS SÓ TU TENS AS PALAVRAS DE VIDA ETERNA</a:t>
             </a:r>
             <a:br>
-              <a:rPr lang="pt-BR" sz="4000" b="1" dirty="0"/>
+              <a:rPr lang="pt-BR" sz="6000" b="1" dirty="0">
+                <a:latin typeface="Arial Black" panose="020B0A04020102020204" pitchFamily="34" charset="0"/>
+              </a:rPr>
             </a:br>
             <a:r>
-              <a:rPr lang="pt-BR" sz="4000" b="1" i="0" dirty="0">
-                <a:solidFill>
-                  <a:srgbClr val="444444"/>
-                </a:solidFill>
-                <a:effectLst/>
-                <a:latin typeface="Arial" panose="020B0604020202020204" pitchFamily="34" charset="0"/>
+              <a:rPr lang="pt-BR" sz="6000" b="1" i="0" dirty="0">
+                <a:solidFill>
+                  <a:srgbClr val="444444"/>
+                </a:solidFill>
+                <a:effectLst/>
+                <a:latin typeface="Arial Black" panose="020B0A04020102020204" pitchFamily="34" charset="0"/>
               </a:rPr>
               <a:t>ONDE ME ESCONDEREI?</a:t>
             </a:r>
             <a:br>
-              <a:rPr lang="pt-BR" sz="4000" b="1" dirty="0"/>
+              <a:rPr lang="pt-BR" sz="6000" b="1" dirty="0">
+                <a:latin typeface="Arial Black" panose="020B0A04020102020204" pitchFamily="34" charset="0"/>
+              </a:rPr>
             </a:br>
             <a:r>
-              <a:rPr lang="pt-BR" sz="4000" b="1" i="0" dirty="0">
-                <a:solidFill>
-                  <a:srgbClr val="444444"/>
-                </a:solidFill>
-                <a:effectLst/>
-                <a:latin typeface="Arial" panose="020B0604020202020204" pitchFamily="34" charset="0"/>
+              <a:rPr lang="pt-BR" sz="6000" b="1" i="0" dirty="0">
+                <a:solidFill>
+                  <a:srgbClr val="444444"/>
+                </a:solidFill>
+                <a:effectLst/>
+                <a:latin typeface="Arial Black" panose="020B0A04020102020204" pitchFamily="34" charset="0"/>
               </a:rPr>
               <a:t>TU ÉS O AR QUE EU RESPIRO</a:t>
             </a:r>
             <a:br>
-              <a:rPr lang="pt-BR" sz="4000" b="1" dirty="0"/>
+              <a:rPr lang="pt-BR" sz="6000" b="1" dirty="0">
+                <a:latin typeface="Arial Black" panose="020B0A04020102020204" pitchFamily="34" charset="0"/>
+              </a:rPr>
             </a:br>
             <a:r>
-              <a:rPr lang="pt-BR" sz="4000" b="1" i="0" dirty="0">
-                <a:solidFill>
-                  <a:srgbClr val="444444"/>
-                </a:solidFill>
-                <a:effectLst/>
-                <a:latin typeface="Arial" panose="020B0604020202020204" pitchFamily="34" charset="0"/>
+              <a:rPr lang="pt-BR" sz="6000" b="1" i="0" dirty="0">
+                <a:solidFill>
+                  <a:srgbClr val="444444"/>
+                </a:solidFill>
+                <a:effectLst/>
+                <a:latin typeface="Arial Black" panose="020B0A04020102020204" pitchFamily="34" charset="0"/>
               </a:rPr>
               <a:t>TUA PRESENÇA ME ATRAI</a:t>
             </a:r>
-            <a:endParaRPr lang="pt-BR" sz="4000" b="1" dirty="0"/>
+            <a:endParaRPr lang="pt-BR" sz="6000" b="1" dirty="0">
+              <a:latin typeface="Arial Black" panose="020B0A04020102020204" pitchFamily="34" charset="0"/>
+            </a:endParaRPr>
           </a:p>
         </p:txBody>
       </p:sp>
@@ -4645,13 +4744,13 @@
         </p:nvSpPr>
         <p:spPr>
           <a:xfrm>
-            <a:off x="1066800" y="1502894"/>
-            <a:ext cx="11976847" cy="4351338"/>
+            <a:off x="107576" y="188260"/>
+            <a:ext cx="11976847" cy="6669740"/>
           </a:xfrm>
         </p:spPr>
         <p:txBody>
           <a:bodyPr>
-            <a:normAutofit/>
+            <a:noAutofit/>
           </a:bodyPr>
           <a:lstStyle/>
           <a:p>
@@ -4662,81 +4761,93 @@
               <a:buNone/>
             </a:pPr>
             <a:r>
-              <a:rPr lang="pt-BR" sz="4000" b="1" i="0" dirty="0">
-                <a:solidFill>
-                  <a:srgbClr val="444444"/>
-                </a:solidFill>
-                <a:effectLst/>
-                <a:latin typeface="Arial" panose="020B0604020202020204" pitchFamily="34" charset="0"/>
+              <a:rPr lang="pt-BR" sz="4800" b="1" i="0" dirty="0">
+                <a:solidFill>
+                  <a:srgbClr val="444444"/>
+                </a:solidFill>
+                <a:effectLst/>
+                <a:latin typeface="Arial Black" panose="020B0A04020102020204" pitchFamily="34" charset="0"/>
               </a:rPr>
               <a:t>ENTÃO, INUNDA-ME COM TEU AMOR</a:t>
             </a:r>
             <a:br>
-              <a:rPr lang="pt-BR" sz="4000" b="1" dirty="0"/>
+              <a:rPr lang="pt-BR" sz="4800" b="1" dirty="0">
+                <a:latin typeface="Arial Black" panose="020B0A04020102020204" pitchFamily="34" charset="0"/>
+              </a:rPr>
             </a:br>
             <a:r>
-              <a:rPr lang="pt-BR" sz="4000" b="1" i="0" dirty="0">
-                <a:solidFill>
-                  <a:srgbClr val="444444"/>
-                </a:solidFill>
-                <a:effectLst/>
-                <a:latin typeface="Arial" panose="020B0604020202020204" pitchFamily="34" charset="0"/>
+              <a:rPr lang="pt-BR" sz="4800" b="1" i="0" dirty="0">
+                <a:solidFill>
+                  <a:srgbClr val="444444"/>
+                </a:solidFill>
+                <a:effectLst/>
+                <a:latin typeface="Arial Black" panose="020B0A04020102020204" pitchFamily="34" charset="0"/>
               </a:rPr>
               <a:t>TRANSFORMA-ME COM TEU AMOR</a:t>
             </a:r>
             <a:br>
-              <a:rPr lang="pt-BR" sz="4000" b="1" dirty="0"/>
+              <a:rPr lang="pt-BR" sz="4800" b="1" dirty="0">
+                <a:latin typeface="Arial Black" panose="020B0A04020102020204" pitchFamily="34" charset="0"/>
+              </a:rPr>
             </a:br>
             <a:r>
-              <a:rPr lang="pt-BR" sz="4000" b="1" i="0" dirty="0">
-                <a:solidFill>
-                  <a:srgbClr val="444444"/>
-                </a:solidFill>
-                <a:effectLst/>
-                <a:latin typeface="Arial" panose="020B0604020202020204" pitchFamily="34" charset="0"/>
+              <a:rPr lang="pt-BR" sz="4800" b="1" i="0" dirty="0">
+                <a:solidFill>
+                  <a:srgbClr val="444444"/>
+                </a:solidFill>
+                <a:effectLst/>
+                <a:latin typeface="Arial Black" panose="020B0A04020102020204" pitchFamily="34" charset="0"/>
               </a:rPr>
               <a:t>ATRAI MEU CORAÇÃO A TI, SENHOR</a:t>
             </a:r>
             <a:br>
-              <a:rPr lang="pt-BR" sz="4000" b="1" dirty="0"/>
+              <a:rPr lang="pt-BR" sz="4800" b="1" dirty="0">
+                <a:latin typeface="Arial Black" panose="020B0A04020102020204" pitchFamily="34" charset="0"/>
+              </a:rPr>
             </a:br>
             <a:r>
-              <a:rPr lang="pt-BR" sz="4000" b="1" i="0" dirty="0">
-                <a:solidFill>
-                  <a:srgbClr val="444444"/>
-                </a:solidFill>
-                <a:effectLst/>
-                <a:latin typeface="Arial" panose="020B0604020202020204" pitchFamily="34" charset="0"/>
+              <a:rPr lang="pt-BR" sz="4800" b="1" i="0" dirty="0">
+                <a:solidFill>
+                  <a:srgbClr val="444444"/>
+                </a:solidFill>
+                <a:effectLst/>
+                <a:latin typeface="Arial Black" panose="020B0A04020102020204" pitchFamily="34" charset="0"/>
               </a:rPr>
               <a:t>MOVE-ME COM TEU AMOR</a:t>
             </a:r>
             <a:br>
-              <a:rPr lang="pt-BR" sz="4000" b="1" dirty="0"/>
+              <a:rPr lang="pt-BR" sz="4800" b="1" dirty="0">
+                <a:latin typeface="Arial Black" panose="020B0A04020102020204" pitchFamily="34" charset="0"/>
+              </a:rPr>
             </a:br>
             <a:r>
-              <a:rPr lang="pt-BR" sz="4000" b="1" i="0" dirty="0">
-                <a:solidFill>
-                  <a:srgbClr val="444444"/>
-                </a:solidFill>
-                <a:effectLst/>
-                <a:latin typeface="Arial" panose="020B0604020202020204" pitchFamily="34" charset="0"/>
+              <a:rPr lang="pt-BR" sz="4800" b="1" i="0" dirty="0">
+                <a:solidFill>
+                  <a:srgbClr val="444444"/>
+                </a:solidFill>
+                <a:effectLst/>
+                <a:latin typeface="Arial Black" panose="020B0A04020102020204" pitchFamily="34" charset="0"/>
               </a:rPr>
               <a:t>E USA-ME PRA O TEU LOUVOR</a:t>
             </a:r>
             <a:br>
-              <a:rPr lang="pt-BR" sz="4000" b="1" dirty="0"/>
+              <a:rPr lang="pt-BR" sz="4800" b="1" dirty="0">
+                <a:latin typeface="Arial Black" panose="020B0A04020102020204" pitchFamily="34" charset="0"/>
+              </a:rPr>
             </a:br>
             <a:r>
-              <a:rPr lang="pt-BR" sz="4000" b="1" i="0" dirty="0">
-                <a:solidFill>
-                  <a:srgbClr val="444444"/>
-                </a:solidFill>
-                <a:effectLst/>
-                <a:latin typeface="Arial" panose="020B0604020202020204" pitchFamily="34" charset="0"/>
+              <a:rPr lang="pt-BR" sz="4800" b="1" i="0" dirty="0">
+                <a:solidFill>
+                  <a:srgbClr val="444444"/>
+                </a:solidFill>
+                <a:effectLst/>
+                <a:latin typeface="Arial Black" panose="020B0A04020102020204" pitchFamily="34" charset="0"/>
               </a:rPr>
               <a:t>ENSINA-ME A OUVIR O TEU CORAÇÃO</a:t>
             </a:r>
-            <a:endParaRPr lang="pt-BR" sz="4000" b="1" dirty="0"/>
+            <a:endParaRPr lang="pt-BR" sz="4800" b="1" dirty="0">
+              <a:latin typeface="Arial Black" panose="020B0A04020102020204" pitchFamily="34" charset="0"/>
+            </a:endParaRPr>
           </a:p>
         </p:txBody>
       </p:sp>
